--- a/project-documents/Docto_ Appointment.pptx
+++ b/project-documents/Docto_ Appointment.pptx
@@ -251,8 +251,11 @@
     </a:lvl9pPr>
   </p:defaultTextStyle>
   <p:extLst>
+    <p:ext uri="{EFAFB233-063F-42B5-8137-9DF3F51BA10A}">
+      <p15:sldGuideLst xmlns:p15="http://schemas.microsoft.com/office/powerpoint/2012/main"/>
+    </p:ext>
     <p:ext uri="http://customooxmlschemas.google.com/">
-      <go:slidesCustomData xmlns:go="http://customooxmlschemas.google.com/" xmlns:ahyp="http://schemas.microsoft.com/office/drawing/2018/hyperlinkcolor" xmlns:p15="http://schemas.microsoft.com/office/powerpoint/2012/main" xmlns:p14="http://schemas.microsoft.com/office/powerpoint/2010/main" xmlns:com="http://schemas.openxmlformats.org/drawingml/2006/compatibility" xmlns:pvml="urn:schemas-microsoft-com:office:powerpoint" xmlns:v="urn:schemas-microsoft-com:vml" xmlns:o="urn:schemas-microsoft-com:office:office" xmlns:dgm="http://schemas.openxmlformats.org/drawingml/2006/diagram" xmlns:c="http://schemas.openxmlformats.org/drawingml/2006/chart" xmlns:mv="urn:schemas-microsoft-com:mac:vml" xmlns:mc="http://schemas.openxmlformats.org/markup-compatibility/2006" xmlns="" r:id="rId13" roundtripDataSignature="AMtx7mjEKcbn19V7N+Hrk1C5XNouu8VH/A=="/>
+      <go:slidesCustomData xmlns="" xmlns:mc="http://schemas.openxmlformats.org/markup-compatibility/2006" xmlns:mv="urn:schemas-microsoft-com:mac:vml" xmlns:c="http://schemas.openxmlformats.org/drawingml/2006/chart" xmlns:dgm="http://schemas.openxmlformats.org/drawingml/2006/diagram" xmlns:o="urn:schemas-microsoft-com:office:office" xmlns:v="urn:schemas-microsoft-com:vml" xmlns:pvml="urn:schemas-microsoft-com:office:powerpoint" xmlns:com="http://schemas.openxmlformats.org/drawingml/2006/compatibility" xmlns:p14="http://schemas.microsoft.com/office/powerpoint/2010/main" xmlns:p15="http://schemas.microsoft.com/office/powerpoint/2012/main" xmlns:ahyp="http://schemas.microsoft.com/office/drawing/2018/hyperlinkcolor" xmlns:go="http://customooxmlschemas.google.com/" r:id="rId13" roundtripDataSignature="AMtx7mjEKcbn19V7N+Hrk1C5XNouu8VH/A=="/>
     </p:ext>
   </p:extLst>
 </p:presentation>
@@ -974,8 +977,8 @@
         </p:nvSpPr>
         <p:spPr>
           <a:xfrm>
-            <a:off x="1143225" y="685800"/>
-            <a:ext cx="4572225" cy="3429000"/>
+            <a:off x="381000" y="685800"/>
+            <a:ext cx="6096000" cy="3429000"/>
           </a:xfrm>
           <a:custGeom>
             <a:avLst/>
@@ -15754,7 +15757,7 @@
               <a:buChar char="•"/>
             </a:pPr>
             <a:r>
-              <a:rPr lang="en-US" sz="1000" b="1" i="1" u="none" strike="noStrike" cap="none">
+              <a:rPr lang="en-US" sz="1000" b="1" i="1" u="none" strike="noStrike" cap="none" dirty="0">
                 <a:solidFill>
                   <a:schemeClr val="dk1"/>
                 </a:solidFill>
@@ -15766,7 +15769,7 @@
               <a:t>Description : </a:t>
             </a:r>
             <a:r>
-              <a:rPr lang="en-US" sz="1000" b="0" i="1" u="none" strike="noStrike" cap="none">
+              <a:rPr lang="en-US" sz="1000" b="0" i="1" u="none" strike="noStrike" cap="none" dirty="0">
                 <a:solidFill>
                   <a:schemeClr val="dk1"/>
                 </a:solidFill>
@@ -15777,7 +15780,7 @@
               </a:rPr>
               <a:t>Using the Doctor Appointment Application, the patients both existing as well as new patients will be able to book an appointment with a GP or a specialist doctor via referral using this app. After choosing their doctor, they would be able to make an appointment with them by choosing the date as well as the time. The patient would be able to check their appointment after booking in the patient account page.</a:t>
             </a:r>
-            <a:endParaRPr/>
+            <a:endParaRPr dirty="0"/>
           </a:p>
           <a:p>
             <a:pPr marL="342900" marR="0" lvl="0" indent="-228600" algn="l" rtl="0">
@@ -15798,7 +15801,7 @@
               <a:buChar char="•"/>
             </a:pPr>
             <a:r>
-              <a:rPr lang="en-US" sz="1000" b="0" i="1" u="none" strike="noStrike" cap="none">
+              <a:rPr lang="en-US" sz="1000" b="0" i="1" u="none" strike="noStrike" cap="none" dirty="0">
                 <a:solidFill>
                   <a:schemeClr val="dk1"/>
                 </a:solidFill>
@@ -15809,7 +15812,7 @@
               </a:rPr>
               <a:t>Even the Doctors will be able to check out the no of appointments in their respective login page </a:t>
             </a:r>
-            <a:endParaRPr/>
+            <a:endParaRPr dirty="0"/>
           </a:p>
           <a:p>
             <a:pPr marL="342900" marR="0" lvl="0" indent="-228600" algn="l" rtl="0">
@@ -15830,7 +15833,7 @@
               <a:buChar char="•"/>
             </a:pPr>
             <a:r>
-              <a:rPr lang="en-US" sz="1000" b="0" i="1" u="none" strike="noStrike" cap="none">
+              <a:rPr lang="en-US" sz="1000" b="0" i="1" u="none" strike="noStrike" cap="none" dirty="0">
                 <a:solidFill>
                   <a:schemeClr val="dk1"/>
                 </a:solidFill>
@@ -15842,7 +15845,7 @@
               <a:t> </a:t>
             </a:r>
             <a:r>
-              <a:rPr lang="en-US" sz="1000" b="1" i="1" u="none" strike="noStrike" cap="none">
+              <a:rPr lang="en-US" sz="1000" b="1" i="1" u="none" strike="noStrike" cap="none" dirty="0">
                 <a:solidFill>
                   <a:schemeClr val="dk1"/>
                 </a:solidFill>
@@ -15854,7 +15857,7 @@
               <a:t>Motivation for development : </a:t>
             </a:r>
             <a:r>
-              <a:rPr lang="en-US" sz="1000" b="0" i="1" u="none" strike="noStrike" cap="none">
+              <a:rPr lang="en-US" sz="1000" b="0" i="1" u="none" strike="noStrike" cap="none" dirty="0">
                 <a:solidFill>
                   <a:schemeClr val="dk1"/>
                 </a:solidFill>
@@ -15865,7 +15868,7 @@
               </a:rPr>
               <a:t>Most of the GPs along with specialist doctors operating via clinic nowadays only use the traditional method of using either booking via telephone or there is no booking available; only able to visit your doctor using first come first serve basis. Most of the clinics usually have a working webpage which displays the basic info about the doctors, consultation timings of the clinic along with the address. By incorporating this booking feature, it will be a clean and transparent interface for both doctors as well as patients with details being shown in their respective account pages.</a:t>
             </a:r>
-            <a:endParaRPr/>
+            <a:endParaRPr dirty="0"/>
           </a:p>
           <a:p>
             <a:pPr marL="342900" marR="0" lvl="0" indent="-228600" algn="l" rtl="0">
@@ -15886,7 +15889,7 @@
               <a:buChar char="•"/>
             </a:pPr>
             <a:r>
-              <a:rPr lang="en-US" sz="1000" b="1" i="1" u="none" strike="noStrike" cap="none">
+              <a:rPr lang="en-US" sz="1000" b="1" i="1" u="none" strike="noStrike" cap="none" dirty="0">
                 <a:solidFill>
                   <a:schemeClr val="dk1"/>
                 </a:solidFill>
@@ -15898,7 +15901,7 @@
               <a:t>User story: </a:t>
             </a:r>
             <a:r>
-              <a:rPr lang="en-US" sz="1000" b="0" i="1" u="none" strike="noStrike" cap="none">
+              <a:rPr lang="en-US" sz="1000" b="0" i="1" u="none" strike="noStrike" cap="none" dirty="0">
                 <a:solidFill>
                   <a:schemeClr val="dk1"/>
                 </a:solidFill>
@@ -15907,9 +15910,33 @@
                 <a:cs typeface="Calibri"/>
                 <a:sym typeface="Calibri"/>
               </a:rPr>
-              <a:t>User must be able to schedule an appointment with their doctor using this app based on the availability of the doctor and user’s own desired time. User will land on the Login/Signup page in which  if the user is an existing patient he will be able to login via the credentials, if the user is a new patient; user needs to sign up using the relevant data. After logining into the app, user will be able to choose the doctor and then book an appointment by choosing the date and time along with which user will be adding description of their medical issuses.   </a:t>
+              <a:t>User must be able to schedule an appointment with their doctor using this app based on the availability of the doctor and user’s own desired time. User will land on the Login/Signup page in which  if the user is an existing patient, he will be able to login via the credentials, if the user is a new patient; user needs to sign up using the relevant data. After logging into the app, user will be able to choose the doctor and then book an appointment by choosing the date and time along with which user will be adding description of their medical </a:t>
             </a:r>
-            <a:endParaRPr/>
+            <a:r>
+              <a:rPr lang="en-US" sz="1000" b="0" i="1" u="none" strike="noStrike" cap="none" dirty="0" err="1">
+                <a:solidFill>
+                  <a:schemeClr val="dk1"/>
+                </a:solidFill>
+                <a:latin typeface="Calibri"/>
+                <a:ea typeface="Calibri"/>
+                <a:cs typeface="Calibri"/>
+                <a:sym typeface="Calibri"/>
+              </a:rPr>
+              <a:t>issuses</a:t>
+            </a:r>
+            <a:r>
+              <a:rPr lang="en-US" sz="1000" b="0" i="1" u="none" strike="noStrike" cap="none" dirty="0">
+                <a:solidFill>
+                  <a:schemeClr val="dk1"/>
+                </a:solidFill>
+                <a:latin typeface="Calibri"/>
+                <a:ea typeface="Calibri"/>
+                <a:cs typeface="Calibri"/>
+                <a:sym typeface="Calibri"/>
+              </a:rPr>
+              <a:t>.   </a:t>
+            </a:r>
+            <a:endParaRPr dirty="0"/>
           </a:p>
           <a:p>
             <a:pPr marL="0" marR="0" lvl="0" indent="63500" algn="l" rtl="0">
@@ -15929,7 +15956,7 @@
               <a:buFont typeface="Arial"/>
               <a:buNone/>
             </a:pPr>
-            <a:endParaRPr sz="1000" b="0" i="0" u="none" strike="noStrike" cap="none">
+            <a:endParaRPr sz="1000" b="0" i="0" u="none" strike="noStrike" cap="none" dirty="0">
               <a:solidFill>
                 <a:schemeClr val="dk1"/>
               </a:solidFill>
@@ -18831,7 +18858,7 @@
         </p:nvSpPr>
         <p:spPr>
           <a:xfrm>
-            <a:off x="0" y="0"/>
+            <a:off x="0" y="-186813"/>
             <a:ext cx="12191999" cy="6857365"/>
           </a:xfrm>
           <a:prstGeom prst="rect">
@@ -18883,7 +18910,7 @@
         </p:nvSpPr>
         <p:spPr>
           <a:xfrm>
-            <a:off x="1113810" y="2960716"/>
+            <a:off x="195855" y="330016"/>
             <a:ext cx="4036334" cy="2387600"/>
           </a:xfrm>
           <a:prstGeom prst="rect">
@@ -18918,7 +18945,7 @@
               <a:buNone/>
             </a:pPr>
             <a:r>
-              <a:rPr lang="en-US" sz="5400" b="1" i="1" u="sng">
+              <a:rPr lang="en-US" sz="5400" b="1" i="1" u="sng" dirty="0">
                 <a:solidFill>
                   <a:schemeClr val="dk1"/>
                 </a:solidFill>
@@ -18929,7 +18956,7 @@
               </a:rPr>
               <a:t>Demo:</a:t>
             </a:r>
-            <a:endParaRPr/>
+            <a:endParaRPr dirty="0"/>
           </a:p>
         </p:txBody>
       </p:sp>
@@ -19197,29 +19224,32 @@
       </p:sp>
       <p:pic>
         <p:nvPicPr>
-          <p:cNvPr id="147" name="Google Shape;147;p5"/>
-          <p:cNvPicPr preferRelativeResize="0"/>
+          <p:cNvPr id="3" name="Picture 2" descr="Text, letter&#10;&#10;Description automatically generated">
+            <a:extLst>
+              <a:ext uri="{FF2B5EF4-FFF2-40B4-BE49-F238E27FC236}">
+                <a16:creationId xmlns:a16="http://schemas.microsoft.com/office/drawing/2014/main" id="{A2A6B294-9C9B-4C0F-AA6E-DE473A56F380}"/>
+              </a:ext>
+            </a:extLst>
+          </p:cNvPr>
+          <p:cNvPicPr>
+            <a:picLocks noChangeAspect="1"/>
+          </p:cNvPicPr>
           <p:nvPr/>
         </p:nvPicPr>
-        <p:blipFill rotWithShape="1">
-          <a:blip r:embed="rId3">
-            <a:alphaModFix/>
-          </a:blip>
-          <a:srcRect r="-1" b="2424"/>
-          <a:stretch/>
+        <p:blipFill>
+          <a:blip r:embed="rId3"/>
+          <a:stretch>
+            <a:fillRect/>
+          </a:stretch>
         </p:blipFill>
         <p:spPr>
           <a:xfrm>
-            <a:off x="5922492" y="698774"/>
-            <a:ext cx="5536001" cy="5401698"/>
+            <a:off x="2478699" y="391886"/>
+            <a:ext cx="9436606" cy="5959928"/>
           </a:xfrm>
           <a:prstGeom prst="rect">
             <a:avLst/>
           </a:prstGeom>
-          <a:noFill/>
-          <a:ln>
-            <a:noFill/>
-          </a:ln>
         </p:spPr>
       </p:pic>
     </p:spTree>
